--- a/SPRING BOOT.pptx
+++ b/SPRING BOOT.pptx
@@ -128,6 +128,9 @@
         </p15:guide>
       </p15:sldGuideLst>
     </p:ext>
+    <p:ext uri="{2D200454-40CA-4A62-9FC3-DE9A4176ACB9}">
+      <p15:notesGuideLst xmlns:p15="http://schemas.microsoft.com/office/powerpoint/2012/main"/>
+    </p:ext>
   </p:extLst>
 </p:presentation>
 </file>
@@ -226,7 +229,7 @@
           <a:p>
             <a:fld id="{3A6F17F8-BA05-4E89-BFF2-A57A3B082C63}" type="datetimeFigureOut">
               <a:rPr lang="en-GB" smtClean="0"/>
-              <a:t>20/02/2019</a:t>
+              <a:t>01/03/2019</a:t>
             </a:fld>
             <a:endParaRPr lang="en-GB"/>
           </a:p>
@@ -598,7 +601,7 @@
           <a:p>
             <a:fld id="{78ABE3C1-DBE1-495D-B57B-2849774B866A}" type="datetimeFigureOut">
               <a:rPr lang="en-US" smtClean="0"/>
-              <a:t>2/20/2019</a:t>
+              <a:t>3/1/2019</a:t>
             </a:fld>
             <a:endParaRPr lang="en-US" dirty="0"/>
           </a:p>
@@ -1012,7 +1015,7 @@
           <a:p>
             <a:fld id="{446C117F-5CCF-4837-BE5F-2B92066CAFAF}" type="datetimeFigureOut">
               <a:rPr lang="en-US" smtClean="0"/>
-              <a:t>2/20/2019</a:t>
+              <a:t>3/1/2019</a:t>
             </a:fld>
             <a:endParaRPr lang="en-US" dirty="0"/>
           </a:p>
@@ -1348,7 +1351,7 @@
           <a:p>
             <a:fld id="{84EB90BD-B6CE-46B7-997F-7313B992CCDC}" type="datetimeFigureOut">
               <a:rPr lang="en-US" smtClean="0"/>
-              <a:t>2/20/2019</a:t>
+              <a:t>3/1/2019</a:t>
             </a:fld>
             <a:endParaRPr lang="en-US" dirty="0"/>
           </a:p>
@@ -1753,7 +1756,7 @@
           <a:p>
             <a:fld id="{CDB9D11F-B188-461D-B23F-39381795C052}" type="datetimeFigureOut">
               <a:rPr lang="en-US" smtClean="0"/>
-              <a:t>2/20/2019</a:t>
+              <a:t>3/1/2019</a:t>
             </a:fld>
             <a:endParaRPr lang="en-US" dirty="0"/>
           </a:p>
@@ -2321,7 +2324,7 @@
           <a:p>
             <a:fld id="{52E6D8D9-55A2-4063-B0F3-121F44549695}" type="datetimeFigureOut">
               <a:rPr lang="en-US" smtClean="0"/>
-              <a:t>2/20/2019</a:t>
+              <a:t>3/1/2019</a:t>
             </a:fld>
             <a:endParaRPr lang="en-US" dirty="0"/>
           </a:p>
@@ -3002,7 +3005,7 @@
           <a:p>
             <a:fld id="{D4B24536-994D-4021-A283-9F449C0DB509}" type="datetimeFigureOut">
               <a:rPr lang="en-US" smtClean="0"/>
-              <a:t>2/20/2019</a:t>
+              <a:t>3/1/2019</a:t>
             </a:fld>
             <a:endParaRPr lang="en-US" dirty="0"/>
           </a:p>
@@ -3915,7 +3918,7 @@
           <a:p>
             <a:fld id="{3CBBBB78-C96F-47B7-AB17-D852CA960AC9}" type="datetimeFigureOut">
               <a:rPr lang="en-US" smtClean="0"/>
-              <a:t>2/20/2019</a:t>
+              <a:t>3/1/2019</a:t>
             </a:fld>
             <a:endParaRPr lang="en-US" dirty="0"/>
           </a:p>
@@ -4228,7 +4231,7 @@
           <a:p>
             <a:fld id="{1FA3F48C-C7C6-4055-9F49-3777875E72AE}" type="datetimeFigureOut">
               <a:rPr lang="en-US" smtClean="0"/>
-              <a:t>2/20/2019</a:t>
+              <a:t>3/1/2019</a:t>
             </a:fld>
             <a:endParaRPr lang="en-US" dirty="0"/>
           </a:p>
@@ -4492,7 +4495,7 @@
           <a:p>
             <a:fld id="{6178E61D-D431-422C-9764-11DAFE33AB63}" type="datetimeFigureOut">
               <a:rPr lang="en-US" smtClean="0"/>
-              <a:t>2/20/2019</a:t>
+              <a:t>3/1/2019</a:t>
             </a:fld>
             <a:endParaRPr lang="en-US" dirty="0"/>
           </a:p>
@@ -4830,7 +4833,7 @@
           <a:p>
             <a:fld id="{12DE42F4-6EEF-4EF7-8ED4-2208F0F89A08}" type="datetimeFigureOut">
               <a:rPr lang="en-US" smtClean="0"/>
-              <a:t>2/20/2019</a:t>
+              <a:t>3/1/2019</a:t>
             </a:fld>
             <a:endParaRPr lang="en-US" dirty="0"/>
           </a:p>
@@ -5223,7 +5226,7 @@
           <a:p>
             <a:fld id="{30578ACC-22D6-47C1-A373-4FD133E34F3C}" type="datetimeFigureOut">
               <a:rPr lang="en-US" smtClean="0"/>
-              <a:t>2/20/2019</a:t>
+              <a:t>3/1/2019</a:t>
             </a:fld>
             <a:endParaRPr lang="en-US" dirty="0"/>
           </a:p>
@@ -5599,7 +5602,7 @@
           <a:p>
             <a:fld id="{4E5A6C69-6797-4E8A-BF37-F2C3751466E9}" type="datetimeFigureOut">
               <a:rPr lang="en-US" smtClean="0"/>
-              <a:t>2/20/2019</a:t>
+              <a:t>3/1/2019</a:t>
             </a:fld>
             <a:endParaRPr lang="en-US" dirty="0"/>
           </a:p>
@@ -6105,7 +6108,7 @@
           <a:p>
             <a:fld id="{D82014A1-A632-4878-A0D3-F52BA7563730}" type="datetimeFigureOut">
               <a:rPr lang="en-US" smtClean="0"/>
-              <a:t>2/20/2019</a:t>
+              <a:t>3/1/2019</a:t>
             </a:fld>
             <a:endParaRPr lang="en-US" dirty="0"/>
           </a:p>
@@ -6359,7 +6362,7 @@
           <a:p>
             <a:fld id="{CE99F462-093F-4566-844B-4C71F2739DA5}" type="datetimeFigureOut">
               <a:rPr lang="en-US" smtClean="0"/>
-              <a:t>2/20/2019</a:t>
+              <a:t>3/1/2019</a:t>
             </a:fld>
             <a:endParaRPr lang="en-US" dirty="0"/>
           </a:p>
@@ -6522,7 +6525,7 @@
           <a:p>
             <a:fld id="{3D24A7AC-904D-4781-85BA-7D10C17ED021}" type="datetimeFigureOut">
               <a:rPr lang="en-US" smtClean="0"/>
-              <a:t>2/20/2019</a:t>
+              <a:t>3/1/2019</a:t>
             </a:fld>
             <a:endParaRPr lang="en-US" dirty="0"/>
           </a:p>
@@ -6912,7 +6915,7 @@
           <a:p>
             <a:fld id="{E331444B-B92B-4E27-8C94-BB93EAF5CB18}" type="datetimeFigureOut">
               <a:rPr lang="en-US" smtClean="0"/>
-              <a:t>2/20/2019</a:t>
+              <a:t>3/1/2019</a:t>
             </a:fld>
             <a:endParaRPr lang="en-US" dirty="0"/>
           </a:p>
@@ -7321,7 +7324,7 @@
           <a:p>
             <a:fld id="{363EFA5E-FA76-400D-B3DC-F0BA90E6D107}" type="datetimeFigureOut">
               <a:rPr lang="en-US" smtClean="0"/>
-              <a:t>2/20/2019</a:t>
+              <a:t>3/1/2019</a:t>
             </a:fld>
             <a:endParaRPr lang="en-US" dirty="0"/>
           </a:p>
@@ -7563,7 +7566,7 @@
           <a:p>
             <a:fld id="{9D6E9DEC-419B-4CC5-A080-3B06BD5A8291}" type="datetimeFigureOut">
               <a:rPr lang="en-US" smtClean="0"/>
-              <a:t>2/20/2019</a:t>
+              <a:t>3/1/2019</a:t>
             </a:fld>
             <a:endParaRPr lang="en-US" dirty="0"/>
           </a:p>
@@ -9249,7 +9252,7 @@
           <a:p>
             <a:r>
               <a:rPr lang="en-US" dirty="0"/>
-              <a:t>Spring Boot Interceptor</a:t>
+              <a:t>Spring Boot Interceptor, Scheduled</a:t>
             </a:r>
           </a:p>
           <a:p>
@@ -9277,7 +9280,7 @@
             </a:r>
             <a:r>
               <a:rPr lang="en-US" dirty="0"/>
-              <a:t>, Scheduled…</a:t>
+              <a:t>…</a:t>
             </a:r>
           </a:p>
           <a:p>
